--- a/docs/mi-carrito.pptx
+++ b/docs/mi-carrito.pptx
@@ -3950,6 +3950,47 @@
             <a:r>
               <a:rPr lang="es-MX" sz="1000" dirty="0"/>
               <a:t>Preguntas:</a:t>
+            </a:r>
+          </a:p>
+        </p:txBody>
+      </p:sp>
+      <p:sp>
+        <p:nvSpPr>
+          <p:cNvPr id="6" name="CuadroTexto 5">
+            <a:extLst>
+              <a:ext uri="{FF2B5EF4-FFF2-40B4-BE49-F238E27FC236}">
+                <a16:creationId xmlns:a16="http://schemas.microsoft.com/office/drawing/2014/main" id="{12F4858D-3308-EF4A-B791-98C5D882DE50}"/>
+              </a:ext>
+            </a:extLst>
+          </p:cNvPr>
+          <p:cNvSpPr txBox="1"/>
+          <p:nvPr/>
+        </p:nvSpPr>
+        <p:spPr>
+          <a:xfrm>
+            <a:off x="6344066" y="5775909"/>
+            <a:ext cx="5225097" cy="400110"/>
+          </a:xfrm>
+          <a:prstGeom prst="rect">
+            <a:avLst/>
+          </a:prstGeom>
+          <a:noFill/>
+        </p:spPr>
+        <p:txBody>
+          <a:bodyPr vert="horz" wrap="square" rtlCol="0" anchor="ctr" anchorCtr="0">
+            <a:spAutoFit/>
+          </a:bodyPr>
+          <a:lstStyle/>
+          <a:p>
+            <a:r>
+              <a:rPr lang="es-MX" sz="1000" dirty="0"/>
+              <a:t>JSON:</a:t>
+            </a:r>
+          </a:p>
+          <a:p>
+            <a:r>
+              <a:rPr lang="es-MX" sz="1000" dirty="0"/>
+              <a:t>mi-carrito</a:t>
             </a:r>
           </a:p>
         </p:txBody>
